--- a/images/MeanStack.pptx
+++ b/images/MeanStack.pptx
@@ -104,6 +104,11 @@
       </a:defRPr>
     </a:lvl9pPr>
   </p:defaultTextStyle>
+  <p:extLst>
+    <p:ext uri="{EFAFB233-063F-42B5-8137-9DF3F51BA10A}">
+      <p15:sldGuideLst xmlns:p15="http://schemas.microsoft.com/office/powerpoint/2012/main"/>
+    </p:ext>
+  </p:extLst>
 </p:presentation>
 </file>
 
@@ -3444,7 +3449,7 @@
         </p:blipFill>
         <p:spPr bwMode="auto">
           <a:xfrm>
-            <a:off x="6657975" y="3062195"/>
+            <a:off x="6895638" y="3062195"/>
             <a:ext cx="2419349" cy="733610"/>
           </a:xfrm>
           <a:prstGeom prst="rect">
@@ -3509,98 +3514,6 @@
           </a:extLst>
         </p:spPr>
       </p:pic>
-      <p:sp>
-        <p:nvSpPr>
-          <p:cNvPr id="4" name="Arrow: Up-Down 3">
-            <a:extLst>
-              <a:ext uri="{FF2B5EF4-FFF2-40B4-BE49-F238E27FC236}">
-                <a16:creationId xmlns:a16="http://schemas.microsoft.com/office/drawing/2014/main" id="{4E112386-437F-4B01-B394-2BD82B4E51A2}"/>
-              </a:ext>
-            </a:extLst>
-          </p:cNvPr>
-          <p:cNvSpPr/>
-          <p:nvPr/>
-        </p:nvSpPr>
-        <p:spPr>
-          <a:xfrm>
-            <a:off x="4857750" y="3795805"/>
-            <a:ext cx="342900" cy="1589658"/>
-          </a:xfrm>
-          <a:prstGeom prst="upDownArrow">
-            <a:avLst/>
-          </a:prstGeom>
-        </p:spPr>
-        <p:style>
-          <a:lnRef idx="2">
-            <a:schemeClr val="accent1">
-              <a:shade val="50000"/>
-            </a:schemeClr>
-          </a:lnRef>
-          <a:fillRef idx="1">
-            <a:schemeClr val="accent1"/>
-          </a:fillRef>
-          <a:effectRef idx="0">
-            <a:schemeClr val="accent1"/>
-          </a:effectRef>
-          <a:fontRef idx="minor">
-            <a:schemeClr val="lt1"/>
-          </a:fontRef>
-        </p:style>
-        <p:txBody>
-          <a:bodyPr rtlCol="0" anchor="ctr"/>
-          <a:lstStyle/>
-          <a:p>
-            <a:pPr algn="ctr"/>
-            <a:endParaRPr lang="en-US"/>
-          </a:p>
-        </p:txBody>
-      </p:sp>
-      <p:sp>
-        <p:nvSpPr>
-          <p:cNvPr id="6" name="Arrow: Up-Down 5">
-            <a:extLst>
-              <a:ext uri="{FF2B5EF4-FFF2-40B4-BE49-F238E27FC236}">
-                <a16:creationId xmlns:a16="http://schemas.microsoft.com/office/drawing/2014/main" id="{8FDBA28B-4106-4BC5-B831-D5FA09B42F68}"/>
-              </a:ext>
-            </a:extLst>
-          </p:cNvPr>
-          <p:cNvSpPr/>
-          <p:nvPr/>
-        </p:nvSpPr>
-        <p:spPr>
-          <a:xfrm rot="19146237">
-            <a:off x="6992974" y="1393178"/>
-            <a:ext cx="253558" cy="1703434"/>
-          </a:xfrm>
-          <a:prstGeom prst="upDownArrow">
-            <a:avLst/>
-          </a:prstGeom>
-        </p:spPr>
-        <p:style>
-          <a:lnRef idx="2">
-            <a:schemeClr val="accent1">
-              <a:shade val="50000"/>
-            </a:schemeClr>
-          </a:lnRef>
-          <a:fillRef idx="1">
-            <a:schemeClr val="accent1"/>
-          </a:fillRef>
-          <a:effectRef idx="0">
-            <a:schemeClr val="accent1"/>
-          </a:effectRef>
-          <a:fontRef idx="minor">
-            <a:schemeClr val="lt1"/>
-          </a:fontRef>
-        </p:style>
-        <p:txBody>
-          <a:bodyPr rtlCol="0" anchor="ctr"/>
-          <a:lstStyle/>
-          <a:p>
-            <a:pPr algn="ctr"/>
-            <a:endParaRPr lang="en-US"/>
-          </a:p>
-        </p:txBody>
-      </p:sp>
       <p:sp>
         <p:nvSpPr>
           <p:cNvPr id="7" name="Rectangle 6">
@@ -3871,6 +3784,144 @@
               </a:rPr>
               <a:t>Database</a:t>
             </a:r>
+          </a:p>
+        </p:txBody>
+      </p:sp>
+      <p:sp>
+        <p:nvSpPr>
+          <p:cNvPr id="4" name="Arrow: Up-Down 3">
+            <a:extLst>
+              <a:ext uri="{FF2B5EF4-FFF2-40B4-BE49-F238E27FC236}">
+                <a16:creationId xmlns:a16="http://schemas.microsoft.com/office/drawing/2014/main" id="{4E112386-437F-4B01-B394-2BD82B4E51A2}"/>
+              </a:ext>
+            </a:extLst>
+          </p:cNvPr>
+          <p:cNvSpPr/>
+          <p:nvPr/>
+        </p:nvSpPr>
+        <p:spPr>
+          <a:xfrm>
+            <a:off x="4857750" y="3795805"/>
+            <a:ext cx="342900" cy="1589658"/>
+          </a:xfrm>
+          <a:prstGeom prst="upDownArrow">
+            <a:avLst/>
+          </a:prstGeom>
+        </p:spPr>
+        <p:style>
+          <a:lnRef idx="2">
+            <a:schemeClr val="accent1">
+              <a:shade val="50000"/>
+            </a:schemeClr>
+          </a:lnRef>
+          <a:fillRef idx="1">
+            <a:schemeClr val="accent1"/>
+          </a:fillRef>
+          <a:effectRef idx="0">
+            <a:schemeClr val="accent1"/>
+          </a:effectRef>
+          <a:fontRef idx="minor">
+            <a:schemeClr val="lt1"/>
+          </a:fontRef>
+        </p:style>
+        <p:txBody>
+          <a:bodyPr rtlCol="0" anchor="ctr"/>
+          <a:lstStyle/>
+          <a:p>
+            <a:pPr algn="ctr"/>
+            <a:endParaRPr lang="en-US"/>
+          </a:p>
+        </p:txBody>
+      </p:sp>
+      <p:sp>
+        <p:nvSpPr>
+          <p:cNvPr id="6" name="Arrow: Up-Down 5">
+            <a:extLst>
+              <a:ext uri="{FF2B5EF4-FFF2-40B4-BE49-F238E27FC236}">
+                <a16:creationId xmlns:a16="http://schemas.microsoft.com/office/drawing/2014/main" id="{8FDBA28B-4106-4BC5-B831-D5FA09B42F68}"/>
+              </a:ext>
+            </a:extLst>
+          </p:cNvPr>
+          <p:cNvSpPr/>
+          <p:nvPr/>
+        </p:nvSpPr>
+        <p:spPr>
+          <a:xfrm rot="19146237">
+            <a:off x="7027879" y="1246083"/>
+            <a:ext cx="339015" cy="2046366"/>
+          </a:xfrm>
+          <a:prstGeom prst="upDownArrow">
+            <a:avLst/>
+          </a:prstGeom>
+        </p:spPr>
+        <p:style>
+          <a:lnRef idx="2">
+            <a:schemeClr val="accent1">
+              <a:shade val="50000"/>
+            </a:schemeClr>
+          </a:lnRef>
+          <a:fillRef idx="1">
+            <a:schemeClr val="accent1"/>
+          </a:fillRef>
+          <a:effectRef idx="0">
+            <a:schemeClr val="accent1"/>
+          </a:effectRef>
+          <a:fontRef idx="minor">
+            <a:schemeClr val="lt1"/>
+          </a:fontRef>
+        </p:style>
+        <p:txBody>
+          <a:bodyPr rtlCol="0" anchor="ctr"/>
+          <a:lstStyle/>
+          <a:p>
+            <a:pPr algn="ctr"/>
+            <a:endParaRPr lang="en-US"/>
+          </a:p>
+        </p:txBody>
+      </p:sp>
+      <p:sp>
+        <p:nvSpPr>
+          <p:cNvPr id="2" name="Arrow: Left-Right 1">
+            <a:extLst>
+              <a:ext uri="{FF2B5EF4-FFF2-40B4-BE49-F238E27FC236}">
+                <a16:creationId xmlns:a16="http://schemas.microsoft.com/office/drawing/2014/main" id="{616558F2-F235-4134-A6AB-A0A9CA127CFD}"/>
+              </a:ext>
+            </a:extLst>
+          </p:cNvPr>
+          <p:cNvSpPr/>
+          <p:nvPr/>
+        </p:nvSpPr>
+        <p:spPr>
+          <a:xfrm>
+            <a:off x="6169980" y="3242006"/>
+            <a:ext cx="648069" cy="306086"/>
+          </a:xfrm>
+          <a:prstGeom prst="leftRightArrow">
+            <a:avLst/>
+          </a:prstGeom>
+        </p:spPr>
+        <p:style>
+          <a:lnRef idx="2">
+            <a:schemeClr val="accent1">
+              <a:shade val="50000"/>
+            </a:schemeClr>
+          </a:lnRef>
+          <a:fillRef idx="1">
+            <a:schemeClr val="accent1"/>
+          </a:fillRef>
+          <a:effectRef idx="0">
+            <a:schemeClr val="accent1"/>
+          </a:effectRef>
+          <a:fontRef idx="minor">
+            <a:schemeClr val="lt1"/>
+          </a:fontRef>
+        </p:style>
+        <p:txBody>
+          <a:bodyPr rtlCol="0" anchor="ctr"/>
+          <a:lstStyle/>
+          <a:p>
+            <a:pPr algn="ctr"/>
+            <a:endParaRPr lang="en-US"/>
           </a:p>
         </p:txBody>
       </p:sp>
